--- a/05-Analyze data in a lake database.pptx
+++ b/05-Analyze data in a lake database.pptx
@@ -1063,7 +1063,7 @@
           <a:p>
             <a:fld id="{2B56BDA5-FBCC-43E1-957B-02AF36889AD5}" type="datetimeFigureOut">
               <a:rPr lang="en-US" smtClean="0"/>
-              <a:t>12/3/2023</a:t>
+              <a:t>12/4/2023</a:t>
             </a:fld>
             <a:endParaRPr lang="en-US" dirty="0"/>
           </a:p>
@@ -1240,7 +1240,7 @@
           <a:p>
             <a:fld id="{8F44CDF0-0D54-4AFE-B409-D6358A9BB9A1}" type="datetimeFigureOut">
               <a:rPr lang="en-US" smtClean="0"/>
-              <a:t>12/2/2023</a:t>
+              <a:t>12/4/2023</a:t>
             </a:fld>
             <a:endParaRPr lang="en-US" dirty="0"/>
           </a:p>
@@ -1763,9 +1763,62 @@
               </a:rPr>
               <a:t>, or Dataverse are automatically available for querying with the serverless SQL pool engine. The lake databases and tables that are modified will be available in serverless SQL pool after some time. There will be a delay until the changes made in Spark or Database designed appear in serverless.</a:t>
             </a:r>
+          </a:p>
+          <a:p>
+            <a:pPr algn="l"/>
             <a:endParaRPr lang="en-IE" b="0" i="0" dirty="0">
               <a:solidFill>
                 <a:srgbClr val="171717"/>
+              </a:solidFill>
+              <a:effectLst/>
+              <a:latin typeface="Segoe UI" panose="020B0502040204020203" pitchFamily="34" charset="0"/>
+            </a:endParaRPr>
+          </a:p>
+          <a:p>
+            <a:pPr algn="l"/>
+            <a:r>
+              <a:rPr lang="en-IE" b="0" i="0" dirty="0">
+                <a:solidFill>
+                  <a:srgbClr val="171717"/>
+                </a:solidFill>
+                <a:effectLst/>
+                <a:latin typeface="Segoe UI" panose="020B0502040204020203" pitchFamily="34" charset="0"/>
+              </a:rPr>
+              <a:t>Use SQL database to connect to external file sources using other auth methods like SAS tokens. Lake database only supports Azure AD (</a:t>
+            </a:r>
+            <a:r>
+              <a:rPr lang="en-IE" b="0" i="0" dirty="0" err="1">
+                <a:solidFill>
+                  <a:srgbClr val="171717"/>
+                </a:solidFill>
+                <a:effectLst/>
+                <a:latin typeface="Segoe UI" panose="020B0502040204020203" pitchFamily="34" charset="0"/>
+              </a:rPr>
+              <a:t>Entra</a:t>
+            </a:r>
+            <a:r>
+              <a:rPr lang="en-IE" b="0" i="0" dirty="0">
+                <a:solidFill>
+                  <a:srgbClr val="171717"/>
+                </a:solidFill>
+                <a:effectLst/>
+                <a:latin typeface="Segoe UI" panose="020B0502040204020203" pitchFamily="34" charset="0"/>
+              </a:rPr>
+              <a:t> ID) authentication on the data lake </a:t>
+            </a:r>
+            <a:r>
+              <a:rPr lang="en-IE" b="0" i="0">
+                <a:solidFill>
+                  <a:srgbClr val="171717"/>
+                </a:solidFill>
+                <a:effectLst/>
+                <a:latin typeface="Segoe UI" panose="020B0502040204020203" pitchFamily="34" charset="0"/>
+              </a:rPr>
+              <a:t>and Dataverse.</a:t>
+            </a:r>
+            <a:endParaRPr lang="en-US" b="0" i="0" dirty="0">
+              <a:solidFill>
+                <a:srgbClr val="E6E6E6"/>
               </a:solidFill>
               <a:effectLst/>
               <a:latin typeface="Segoe UI" panose="020B0502040204020203" pitchFamily="34" charset="0"/>
